--- a/ballin_template.pptx
+++ b/ballin_template.pptx
@@ -6,6 +6,12 @@
   </p:sldMasterIdLst>
   <p:sldIdLst>
     <p:sldId id="256" r:id="rId2"/>
+    <p:sldId id="257" r:id="rId3"/>
+    <p:sldId id="261" r:id="rId4"/>
+    <p:sldId id="262" r:id="rId5"/>
+    <p:sldId id="263" r:id="rId6"/>
+    <p:sldId id="264" r:id="rId7"/>
+    <p:sldId id="265" r:id="rId8"/>
   </p:sldIdLst>
   <p:sldSz cx="12192000" cy="6858000"/>
   <p:notesSz cx="6858000" cy="9144000"/>
@@ -104,6 +110,11 @@
       </a:defRPr>
     </a:lvl9pPr>
   </p:defaultTextStyle>
+  <p:extLst>
+    <p:ext uri="{EFAFB233-063F-42B5-8137-9DF3F51BA10A}">
+      <p15:sldGuideLst xmlns:p15="http://schemas.microsoft.com/office/powerpoint/2012/main"/>
+    </p:ext>
+  </p:extLst>
 </p:presentation>
 </file>
 
@@ -2978,10 +2989,613 @@
           <a:chExt cx="0" cy="0"/>
         </a:xfrm>
       </p:grpSpPr>
+      <p:sp>
+        <p:nvSpPr>
+          <p:cNvPr id="2" name="Rectangle 1"/>
+          <p:cNvSpPr/>
+          <p:nvPr/>
+        </p:nvSpPr>
+        <p:spPr>
+          <a:xfrm>
+            <a:off x="4047099" y="2456587"/>
+            <a:ext cx="3795323" cy="1754326"/>
+          </a:xfrm>
+          <a:prstGeom prst="rect">
+            <a:avLst/>
+          </a:prstGeom>
+          <a:noFill/>
+        </p:spPr>
+        <p:txBody>
+          <a:bodyPr wrap="square" lIns="91440" tIns="45720" rIns="91440" bIns="45720">
+            <a:spAutoFit/>
+          </a:bodyPr>
+          <a:lstStyle/>
+          <a:p>
+            <a:pPr algn="ctr"/>
+            <a:r>
+              <a:rPr lang="en-US" sz="5400" b="1" cap="none" spc="50" dirty="0">
+                <a:ln w="0"/>
+                <a:solidFill>
+                  <a:schemeClr val="bg2"/>
+                </a:solidFill>
+                <a:effectLst>
+                  <a:innerShdw blurRad="63500" dist="50800" dir="13500000">
+                    <a:srgbClr val="000000">
+                      <a:alpha val="50000"/>
+                    </a:srgbClr>
+                  </a:innerShdw>
+                </a:effectLst>
+              </a:rPr>
+              <a:t>ODI Team 1</a:t>
+            </a:r>
+          </a:p>
+          <a:p>
+            <a:pPr algn="ctr"/>
+            <a:r>
+              <a:rPr lang="en-US" sz="5400" b="1" spc="50" dirty="0">
+                <a:ln w="0"/>
+                <a:solidFill>
+                  <a:schemeClr val="bg2"/>
+                </a:solidFill>
+                <a:effectLst>
+                  <a:innerShdw blurRad="63500" dist="50800" dir="13500000">
+                    <a:srgbClr val="000000">
+                      <a:alpha val="50000"/>
+                    </a:srgbClr>
+                  </a:innerShdw>
+                </a:effectLst>
+              </a:rPr>
+              <a:t>SOTON-BOT</a:t>
+            </a:r>
+            <a:endParaRPr lang="en-US" sz="5400" b="1" cap="none" spc="50" dirty="0">
+              <a:ln w="0"/>
+              <a:solidFill>
+                <a:schemeClr val="bg2"/>
+              </a:solidFill>
+              <a:effectLst>
+                <a:innerShdw blurRad="63500" dist="50800" dir="13500000">
+                  <a:srgbClr val="000000">
+                    <a:alpha val="50000"/>
+                  </a:srgbClr>
+                </a:innerShdw>
+              </a:effectLst>
+            </a:endParaRPr>
+          </a:p>
+        </p:txBody>
+      </p:sp>
     </p:spTree>
     <p:extLst>
       <p:ext uri="{BB962C8B-B14F-4D97-AF65-F5344CB8AC3E}">
         <p14:creationId xmlns:p14="http://schemas.microsoft.com/office/powerpoint/2010/main" val="3774470905"/>
+      </p:ext>
+    </p:extLst>
+  </p:cSld>
+  <p:clrMapOvr>
+    <a:masterClrMapping/>
+  </p:clrMapOvr>
+</p:sld>
+</file>
+
+<file path=ppt/slides/slide2.xml><?xml version="1.0" encoding="utf-8"?>
+<p:sld xmlns:a="http://schemas.openxmlformats.org/drawingml/2006/main" xmlns:r="http://schemas.openxmlformats.org/officeDocument/2006/relationships" xmlns:p="http://schemas.openxmlformats.org/presentationml/2006/main">
+  <p:cSld>
+    <p:bg>
+      <p:bgPr>
+        <a:blipFill dpi="0" rotWithShape="1">
+          <a:blip r:embed="rId2">
+            <a:lum/>
+          </a:blip>
+          <a:srcRect/>
+          <a:stretch>
+            <a:fillRect/>
+          </a:stretch>
+        </a:blipFill>
+        <a:effectLst/>
+      </p:bgPr>
+    </p:bg>
+    <p:spTree>
+      <p:nvGrpSpPr>
+        <p:cNvPr id="1" name=""/>
+        <p:cNvGrpSpPr/>
+        <p:nvPr/>
+      </p:nvGrpSpPr>
+      <p:grpSpPr>
+        <a:xfrm>
+          <a:off x="0" y="0"/>
+          <a:ext cx="0" cy="0"/>
+          <a:chOff x="0" y="0"/>
+          <a:chExt cx="0" cy="0"/>
+        </a:xfrm>
+      </p:grpSpPr>
+      <p:sp>
+        <p:nvSpPr>
+          <p:cNvPr id="2" name="Rectangle 1"/>
+          <p:cNvSpPr/>
+          <p:nvPr/>
+        </p:nvSpPr>
+        <p:spPr>
+          <a:xfrm>
+            <a:off x="3345881" y="1566902"/>
+            <a:ext cx="5253105" cy="769441"/>
+          </a:xfrm>
+          <a:prstGeom prst="rect">
+            <a:avLst/>
+          </a:prstGeom>
+          <a:noFill/>
+        </p:spPr>
+        <p:txBody>
+          <a:bodyPr wrap="none" lIns="91440" tIns="45720" rIns="91440" bIns="45720">
+            <a:spAutoFit/>
+          </a:bodyPr>
+          <a:lstStyle/>
+          <a:p>
+            <a:pPr algn="ctr"/>
+            <a:r>
+              <a:rPr lang="en-US" sz="4400" b="1" cap="none" spc="50" dirty="0">
+                <a:ln w="0"/>
+                <a:solidFill>
+                  <a:schemeClr val="bg2"/>
+                </a:solidFill>
+                <a:effectLst>
+                  <a:innerShdw blurRad="63500" dist="50800" dir="13500000">
+                    <a:srgbClr val="000000">
+                      <a:alpha val="50000"/>
+                    </a:srgbClr>
+                  </a:innerShdw>
+                </a:effectLst>
+              </a:rPr>
+              <a:t>What is SOTON-BOT?</a:t>
+            </a:r>
+          </a:p>
+        </p:txBody>
+      </p:sp>
+    </p:spTree>
+    <p:extLst>
+      <p:ext uri="{BB962C8B-B14F-4D97-AF65-F5344CB8AC3E}">
+        <p14:creationId xmlns:p14="http://schemas.microsoft.com/office/powerpoint/2010/main" val="2279828118"/>
+      </p:ext>
+    </p:extLst>
+  </p:cSld>
+  <p:clrMapOvr>
+    <a:masterClrMapping/>
+  </p:clrMapOvr>
+</p:sld>
+</file>
+
+<file path=ppt/slides/slide3.xml><?xml version="1.0" encoding="utf-8"?>
+<p:sld xmlns:a="http://schemas.openxmlformats.org/drawingml/2006/main" xmlns:r="http://schemas.openxmlformats.org/officeDocument/2006/relationships" xmlns:p="http://schemas.openxmlformats.org/presentationml/2006/main">
+  <p:cSld>
+    <p:bg>
+      <p:bgPr>
+        <a:blipFill dpi="0" rotWithShape="1">
+          <a:blip r:embed="rId2">
+            <a:lum/>
+          </a:blip>
+          <a:srcRect/>
+          <a:stretch>
+            <a:fillRect/>
+          </a:stretch>
+        </a:blipFill>
+        <a:effectLst/>
+      </p:bgPr>
+    </p:bg>
+    <p:spTree>
+      <p:nvGrpSpPr>
+        <p:cNvPr id="1" name=""/>
+        <p:cNvGrpSpPr/>
+        <p:nvPr/>
+      </p:nvGrpSpPr>
+      <p:grpSpPr>
+        <a:xfrm>
+          <a:off x="0" y="0"/>
+          <a:ext cx="0" cy="0"/>
+          <a:chOff x="0" y="0"/>
+          <a:chExt cx="0" cy="0"/>
+        </a:xfrm>
+      </p:grpSpPr>
+      <p:sp>
+        <p:nvSpPr>
+          <p:cNvPr id="2" name="Rectangle 1"/>
+          <p:cNvSpPr/>
+          <p:nvPr/>
+        </p:nvSpPr>
+        <p:spPr>
+          <a:xfrm>
+            <a:off x="5200715" y="1566902"/>
+            <a:ext cx="1543436" cy="769441"/>
+          </a:xfrm>
+          <a:prstGeom prst="rect">
+            <a:avLst/>
+          </a:prstGeom>
+          <a:noFill/>
+        </p:spPr>
+        <p:txBody>
+          <a:bodyPr wrap="none" lIns="91440" tIns="45720" rIns="91440" bIns="45720">
+            <a:spAutoFit/>
+          </a:bodyPr>
+          <a:lstStyle/>
+          <a:p>
+            <a:pPr algn="ctr"/>
+            <a:r>
+              <a:rPr lang="en-US" sz="4400" b="1" cap="none" spc="50" dirty="0">
+                <a:ln w="0"/>
+                <a:solidFill>
+                  <a:schemeClr val="bg2"/>
+                </a:solidFill>
+                <a:effectLst>
+                  <a:innerShdw blurRad="63500" dist="50800" dir="13500000">
+                    <a:srgbClr val="000000">
+                      <a:alpha val="50000"/>
+                    </a:srgbClr>
+                  </a:innerShdw>
+                </a:effectLst>
+              </a:rPr>
+              <a:t>Why?</a:t>
+            </a:r>
+          </a:p>
+        </p:txBody>
+      </p:sp>
+    </p:spTree>
+    <p:extLst>
+      <p:ext uri="{BB962C8B-B14F-4D97-AF65-F5344CB8AC3E}">
+        <p14:creationId xmlns:p14="http://schemas.microsoft.com/office/powerpoint/2010/main" val="862862994"/>
+      </p:ext>
+    </p:extLst>
+  </p:cSld>
+  <p:clrMapOvr>
+    <a:masterClrMapping/>
+  </p:clrMapOvr>
+</p:sld>
+</file>
+
+<file path=ppt/slides/slide4.xml><?xml version="1.0" encoding="utf-8"?>
+<p:sld xmlns:a="http://schemas.openxmlformats.org/drawingml/2006/main" xmlns:r="http://schemas.openxmlformats.org/officeDocument/2006/relationships" xmlns:p="http://schemas.openxmlformats.org/presentationml/2006/main">
+  <p:cSld>
+    <p:bg>
+      <p:bgPr>
+        <a:blipFill dpi="0" rotWithShape="1">
+          <a:blip r:embed="rId2">
+            <a:lum/>
+          </a:blip>
+          <a:srcRect/>
+          <a:stretch>
+            <a:fillRect/>
+          </a:stretch>
+        </a:blipFill>
+        <a:effectLst/>
+      </p:bgPr>
+    </p:bg>
+    <p:spTree>
+      <p:nvGrpSpPr>
+        <p:cNvPr id="1" name=""/>
+        <p:cNvGrpSpPr/>
+        <p:nvPr/>
+      </p:nvGrpSpPr>
+      <p:grpSpPr>
+        <a:xfrm>
+          <a:off x="0" y="0"/>
+          <a:ext cx="0" cy="0"/>
+          <a:chOff x="0" y="0"/>
+          <a:chExt cx="0" cy="0"/>
+        </a:xfrm>
+      </p:grpSpPr>
+      <p:sp>
+        <p:nvSpPr>
+          <p:cNvPr id="2" name="Rectangle 1"/>
+          <p:cNvSpPr/>
+          <p:nvPr/>
+        </p:nvSpPr>
+        <p:spPr>
+          <a:xfrm>
+            <a:off x="2709815" y="1566902"/>
+            <a:ext cx="6525248" cy="769441"/>
+          </a:xfrm>
+          <a:prstGeom prst="rect">
+            <a:avLst/>
+          </a:prstGeom>
+          <a:noFill/>
+        </p:spPr>
+        <p:txBody>
+          <a:bodyPr wrap="none" lIns="91440" tIns="45720" rIns="91440" bIns="45720">
+            <a:spAutoFit/>
+          </a:bodyPr>
+          <a:lstStyle/>
+          <a:p>
+            <a:pPr algn="ctr"/>
+            <a:r>
+              <a:rPr lang="en-US" sz="4400" b="1" spc="50" dirty="0">
+                <a:ln w="0"/>
+                <a:solidFill>
+                  <a:schemeClr val="bg2"/>
+                </a:solidFill>
+                <a:effectLst>
+                  <a:innerShdw blurRad="63500" dist="50800" dir="13500000">
+                    <a:srgbClr val="000000">
+                      <a:alpha val="50000"/>
+                    </a:srgbClr>
+                  </a:innerShdw>
+                </a:effectLst>
+              </a:rPr>
+              <a:t>How is SOTON-BOT made?</a:t>
+            </a:r>
+            <a:endParaRPr lang="en-US" sz="4400" b="1" cap="none" spc="50" dirty="0">
+              <a:ln w="0"/>
+              <a:solidFill>
+                <a:schemeClr val="bg2"/>
+              </a:solidFill>
+              <a:effectLst>
+                <a:innerShdw blurRad="63500" dist="50800" dir="13500000">
+                  <a:srgbClr val="000000">
+                    <a:alpha val="50000"/>
+                  </a:srgbClr>
+                </a:innerShdw>
+              </a:effectLst>
+            </a:endParaRPr>
+          </a:p>
+        </p:txBody>
+      </p:sp>
+    </p:spTree>
+    <p:extLst>
+      <p:ext uri="{BB962C8B-B14F-4D97-AF65-F5344CB8AC3E}">
+        <p14:creationId xmlns:p14="http://schemas.microsoft.com/office/powerpoint/2010/main" val="2834594058"/>
+      </p:ext>
+    </p:extLst>
+  </p:cSld>
+  <p:clrMapOvr>
+    <a:masterClrMapping/>
+  </p:clrMapOvr>
+</p:sld>
+</file>
+
+<file path=ppt/slides/slide5.xml><?xml version="1.0" encoding="utf-8"?>
+<p:sld xmlns:a="http://schemas.openxmlformats.org/drawingml/2006/main" xmlns:r="http://schemas.openxmlformats.org/officeDocument/2006/relationships" xmlns:p="http://schemas.openxmlformats.org/presentationml/2006/main">
+  <p:cSld>
+    <p:bg>
+      <p:bgPr>
+        <a:blipFill dpi="0" rotWithShape="1">
+          <a:blip r:embed="rId2">
+            <a:lum/>
+          </a:blip>
+          <a:srcRect/>
+          <a:stretch>
+            <a:fillRect/>
+          </a:stretch>
+        </a:blipFill>
+        <a:effectLst/>
+      </p:bgPr>
+    </p:bg>
+    <p:spTree>
+      <p:nvGrpSpPr>
+        <p:cNvPr id="1" name=""/>
+        <p:cNvGrpSpPr/>
+        <p:nvPr/>
+      </p:nvGrpSpPr>
+      <p:grpSpPr>
+        <a:xfrm>
+          <a:off x="0" y="0"/>
+          <a:ext cx="0" cy="0"/>
+          <a:chOff x="0" y="0"/>
+          <a:chExt cx="0" cy="0"/>
+        </a:xfrm>
+      </p:grpSpPr>
+      <p:sp>
+        <p:nvSpPr>
+          <p:cNvPr id="2" name="Rectangle 1"/>
+          <p:cNvSpPr/>
+          <p:nvPr/>
+        </p:nvSpPr>
+        <p:spPr>
+          <a:xfrm>
+            <a:off x="1878119" y="1566902"/>
+            <a:ext cx="8188653" cy="769441"/>
+          </a:xfrm>
+          <a:prstGeom prst="rect">
+            <a:avLst/>
+          </a:prstGeom>
+          <a:noFill/>
+        </p:spPr>
+        <p:txBody>
+          <a:bodyPr wrap="none" lIns="91440" tIns="45720" rIns="91440" bIns="45720">
+            <a:spAutoFit/>
+          </a:bodyPr>
+          <a:lstStyle/>
+          <a:p>
+            <a:pPr algn="ctr"/>
+            <a:r>
+              <a:rPr lang="en-US" sz="4400" b="1" cap="none" spc="50" dirty="0">
+                <a:ln w="0"/>
+                <a:solidFill>
+                  <a:schemeClr val="bg2"/>
+                </a:solidFill>
+                <a:effectLst>
+                  <a:innerShdw blurRad="63500" dist="50800" dir="13500000">
+                    <a:srgbClr val="000000">
+                      <a:alpha val="50000"/>
+                    </a:srgbClr>
+                  </a:innerShdw>
+                </a:effectLst>
+              </a:rPr>
+              <a:t>What data does SOTON-BOT use?</a:t>
+            </a:r>
+          </a:p>
+        </p:txBody>
+      </p:sp>
+    </p:spTree>
+    <p:extLst>
+      <p:ext uri="{BB962C8B-B14F-4D97-AF65-F5344CB8AC3E}">
+        <p14:creationId xmlns:p14="http://schemas.microsoft.com/office/powerpoint/2010/main" val="2367876827"/>
+      </p:ext>
+    </p:extLst>
+  </p:cSld>
+  <p:clrMapOvr>
+    <a:masterClrMapping/>
+  </p:clrMapOvr>
+</p:sld>
+</file>
+
+<file path=ppt/slides/slide6.xml><?xml version="1.0" encoding="utf-8"?>
+<p:sld xmlns:a="http://schemas.openxmlformats.org/drawingml/2006/main" xmlns:r="http://schemas.openxmlformats.org/officeDocument/2006/relationships" xmlns:p="http://schemas.openxmlformats.org/presentationml/2006/main">
+  <p:cSld>
+    <p:bg>
+      <p:bgPr>
+        <a:blipFill dpi="0" rotWithShape="1">
+          <a:blip r:embed="rId2">
+            <a:lum/>
+          </a:blip>
+          <a:srcRect/>
+          <a:stretch>
+            <a:fillRect/>
+          </a:stretch>
+        </a:blipFill>
+        <a:effectLst/>
+      </p:bgPr>
+    </p:bg>
+    <p:spTree>
+      <p:nvGrpSpPr>
+        <p:cNvPr id="1" name=""/>
+        <p:cNvGrpSpPr/>
+        <p:nvPr/>
+      </p:nvGrpSpPr>
+      <p:grpSpPr>
+        <a:xfrm>
+          <a:off x="0" y="0"/>
+          <a:ext cx="0" cy="0"/>
+          <a:chOff x="0" y="0"/>
+          <a:chExt cx="0" cy="0"/>
+        </a:xfrm>
+      </p:grpSpPr>
+      <p:sp>
+        <p:nvSpPr>
+          <p:cNvPr id="2" name="Rectangle 1"/>
+          <p:cNvSpPr/>
+          <p:nvPr/>
+        </p:nvSpPr>
+        <p:spPr>
+          <a:xfrm>
+            <a:off x="2740027" y="1566902"/>
+            <a:ext cx="6464847" cy="769441"/>
+          </a:xfrm>
+          <a:prstGeom prst="rect">
+            <a:avLst/>
+          </a:prstGeom>
+          <a:noFill/>
+        </p:spPr>
+        <p:txBody>
+          <a:bodyPr wrap="none" lIns="91440" tIns="45720" rIns="91440" bIns="45720">
+            <a:spAutoFit/>
+          </a:bodyPr>
+          <a:lstStyle/>
+          <a:p>
+            <a:pPr algn="ctr"/>
+            <a:r>
+              <a:rPr lang="en-US" sz="4400" b="1" cap="none" spc="50" dirty="0">
+                <a:ln w="0"/>
+                <a:solidFill>
+                  <a:schemeClr val="bg2"/>
+                </a:solidFill>
+                <a:effectLst>
+                  <a:innerShdw blurRad="63500" dist="50800" dir="13500000">
+                    <a:srgbClr val="000000">
+                      <a:alpha val="50000"/>
+                    </a:srgbClr>
+                  </a:innerShdw>
+                </a:effectLst>
+              </a:rPr>
+              <a:t>What can SOTON-BOT do?</a:t>
+            </a:r>
+          </a:p>
+        </p:txBody>
+      </p:sp>
+    </p:spTree>
+    <p:extLst>
+      <p:ext uri="{BB962C8B-B14F-4D97-AF65-F5344CB8AC3E}">
+        <p14:creationId xmlns:p14="http://schemas.microsoft.com/office/powerpoint/2010/main" val="1670367671"/>
+      </p:ext>
+    </p:extLst>
+  </p:cSld>
+  <p:clrMapOvr>
+    <a:masterClrMapping/>
+  </p:clrMapOvr>
+</p:sld>
+</file>
+
+<file path=ppt/slides/slide7.xml><?xml version="1.0" encoding="utf-8"?>
+<p:sld xmlns:a="http://schemas.openxmlformats.org/drawingml/2006/main" xmlns:r="http://schemas.openxmlformats.org/officeDocument/2006/relationships" xmlns:p="http://schemas.openxmlformats.org/presentationml/2006/main">
+  <p:cSld>
+    <p:bg>
+      <p:bgPr>
+        <a:blipFill dpi="0" rotWithShape="1">
+          <a:blip r:embed="rId2">
+            <a:lum/>
+          </a:blip>
+          <a:srcRect/>
+          <a:stretch>
+            <a:fillRect/>
+          </a:stretch>
+        </a:blipFill>
+        <a:effectLst/>
+      </p:bgPr>
+    </p:bg>
+    <p:spTree>
+      <p:nvGrpSpPr>
+        <p:cNvPr id="1" name=""/>
+        <p:cNvGrpSpPr/>
+        <p:nvPr/>
+      </p:nvGrpSpPr>
+      <p:grpSpPr>
+        <a:xfrm>
+          <a:off x="0" y="0"/>
+          <a:ext cx="0" cy="0"/>
+          <a:chOff x="0" y="0"/>
+          <a:chExt cx="0" cy="0"/>
+        </a:xfrm>
+      </p:grpSpPr>
+      <p:sp>
+        <p:nvSpPr>
+          <p:cNvPr id="2" name="Rectangle 1"/>
+          <p:cNvSpPr/>
+          <p:nvPr/>
+        </p:nvSpPr>
+        <p:spPr>
+          <a:xfrm>
+            <a:off x="4523502" y="2992048"/>
+            <a:ext cx="2864951" cy="769441"/>
+          </a:xfrm>
+          <a:prstGeom prst="rect">
+            <a:avLst/>
+          </a:prstGeom>
+          <a:noFill/>
+        </p:spPr>
+        <p:txBody>
+          <a:bodyPr wrap="none" lIns="91440" tIns="45720" rIns="91440" bIns="45720">
+            <a:spAutoFit/>
+          </a:bodyPr>
+          <a:lstStyle/>
+          <a:p>
+            <a:pPr algn="ctr"/>
+            <a:r>
+              <a:rPr lang="en-US" sz="4400" b="1" cap="none" spc="50" dirty="0">
+                <a:ln w="0"/>
+                <a:solidFill>
+                  <a:schemeClr val="bg2"/>
+                </a:solidFill>
+                <a:effectLst>
+                  <a:innerShdw blurRad="63500" dist="50800" dir="13500000">
+                    <a:srgbClr val="000000">
+                      <a:alpha val="50000"/>
+                    </a:srgbClr>
+                  </a:innerShdw>
+                </a:effectLst>
+              </a:rPr>
+              <a:t>Questions?</a:t>
+            </a:r>
+          </a:p>
+        </p:txBody>
+      </p:sp>
+    </p:spTree>
+    <p:extLst>
+      <p:ext uri="{BB962C8B-B14F-4D97-AF65-F5344CB8AC3E}">
+        <p14:creationId xmlns:p14="http://schemas.microsoft.com/office/powerpoint/2010/main" val="1825460166"/>
       </p:ext>
     </p:extLst>
   </p:cSld>
